--- a/Presentation.pptx
+++ b/Presentation.pptx
@@ -121,6 +121,11 @@
       </a:defRPr>
     </a:lvl9pPr>
   </p:defaultTextStyle>
+  <p:extLst>
+    <p:ext uri="{EFAFB233-063F-42B5-8137-9DF3F51BA10A}">
+      <p15:sldGuideLst xmlns:p15="http://schemas.microsoft.com/office/powerpoint/2012/main"/>
+    </p:ext>
+  </p:extLst>
 </p:presentation>
 </file>
 
@@ -3873,8 +3878,8 @@
         </p:nvSpPr>
         <p:spPr>
           <a:xfrm>
-            <a:off x="-890228" y="5262878"/>
-            <a:ext cx="6831673" cy="1086237"/>
+            <a:off x="-357489" y="5215170"/>
+            <a:ext cx="6169894" cy="1090214"/>
           </a:xfrm>
         </p:spPr>
         <p:txBody>
@@ -3885,7 +3890,7 @@
           <a:p>
             <a:r>
               <a:rPr lang="en-US" sz="2800" dirty="0">
-                <a:latin typeface="Franklin Gothic Medium Cond" panose="020B0606030402020204" pitchFamily="34" charset="0"/>
+                <a:latin typeface="Franklin Gothic Book" panose="020B0503020102020204" pitchFamily="34" charset="0"/>
               </a:rPr>
               <a:t>Data Science project, 2020</a:t>
             </a:r>
@@ -3893,7 +3898,7 @@
           <a:p>
             <a:r>
               <a:rPr lang="en-US" sz="2500" dirty="0">
-                <a:latin typeface="Franklin Gothic Medium Cond" panose="020B0606030402020204" pitchFamily="34" charset="0"/>
+                <a:latin typeface="Franklin Gothic Book" panose="020B0503020102020204" pitchFamily="34" charset="0"/>
               </a:rPr>
               <a:t>Dima Nirenshteyn 321371072</a:t>
             </a:r>
@@ -4000,13 +4005,13 @@
             </a:pPr>
             <a:r>
               <a:rPr lang="en-US" dirty="0"/>
-              <a:t>result:</a:t>
+              <a:t>results:</a:t>
             </a:r>
           </a:p>
           <a:p>
             <a:r>
               <a:rPr lang="en-US" sz="1800" dirty="0"/>
-              <a:t>‘% of total’ mean = ~3</a:t>
+              <a:t>Perc of total mean = ~3</a:t>
             </a:r>
           </a:p>
           <a:p>
@@ -4015,14 +4020,8 @@
             </a:pPr>
             <a:r>
               <a:rPr lang="en-US" sz="1800" dirty="0"/>
-              <a:t>That will be our limit, separate protests by ‘% off total’ = 3</a:t>
-            </a:r>
-          </a:p>
-          <a:p>
-            <a:pPr marL="0" indent="0">
-              <a:buNone/>
-            </a:pPr>
-            <a:endParaRPr lang="en-US" sz="1800" dirty="0"/>
+              <a:t>That will be our limit, separate protests by 3%</a:t>
+            </a:r>
           </a:p>
           <a:p>
             <a:pPr marL="0" indent="0">
@@ -4222,7 +4221,7 @@
             </a:pPr>
             <a:r>
               <a:rPr lang="en-US" dirty="0"/>
-              <a:t>result:</a:t>
+              <a:t>results:</a:t>
             </a:r>
           </a:p>
           <a:p>
@@ -4294,8 +4293,8 @@
         </p:blipFill>
         <p:spPr>
           <a:xfrm>
-            <a:off x="3561583" y="2715760"/>
-            <a:ext cx="5221234" cy="4142240"/>
+            <a:off x="3599652" y="2776164"/>
+            <a:ext cx="5145095" cy="4081836"/>
           </a:xfrm>
           <a:prstGeom prst="rect">
             <a:avLst/>
@@ -4401,16 +4400,7 @@
               <a:buNone/>
             </a:pPr>
             <a:r>
-              <a:rPr lang="en-US" dirty="0"/>
-              <a:t>result:</a:t>
-            </a:r>
-          </a:p>
-          <a:p>
-            <a:pPr marL="0" indent="0">
-              <a:buNone/>
-            </a:pPr>
-            <a:r>
-              <a:rPr lang="en-US" sz="1800" dirty="0"/>
+              <a:rPr lang="en-US" sz="1800" u="sng" dirty="0"/>
               <a:t>Conclusions:</a:t>
             </a:r>
           </a:p>
@@ -4498,7 +4488,7 @@
         </p:blipFill>
         <p:spPr>
           <a:xfrm>
-            <a:off x="1948990" y="3429000"/>
+            <a:off x="1948990" y="3615856"/>
             <a:ext cx="8294020" cy="3242144"/>
           </a:xfrm>
           <a:prstGeom prst="rect">
@@ -4606,7 +4596,7 @@
             </a:pPr>
             <a:r>
               <a:rPr lang="en-US" dirty="0"/>
-              <a:t>result:</a:t>
+              <a:t>question:</a:t>
             </a:r>
           </a:p>
           <a:p>
@@ -4776,7 +4766,7 @@
             </a:pPr>
             <a:r>
               <a:rPr lang="en-US" dirty="0"/>
-              <a:t>result:</a:t>
+              <a:t>results:</a:t>
             </a:r>
           </a:p>
           <a:p>
@@ -4787,24 +4777,6 @@
               <a:rPr lang="en-US" dirty="0"/>
               <a:t>There is a huge difference between the max amount of participants in BLM campaign vs rest of the protests.</a:t>
             </a:r>
-          </a:p>
-          <a:p>
-            <a:pPr marL="0" indent="0">
-              <a:buNone/>
-            </a:pPr>
-            <a:endParaRPr lang="en-US" dirty="0"/>
-          </a:p>
-          <a:p>
-            <a:pPr marL="0" indent="0">
-              <a:buNone/>
-            </a:pPr>
-            <a:endParaRPr lang="en-US" dirty="0"/>
-          </a:p>
-          <a:p>
-            <a:pPr marL="0" indent="0">
-              <a:buNone/>
-            </a:pPr>
-            <a:endParaRPr lang="en-US" sz="1600" dirty="0"/>
           </a:p>
           <a:p>
             <a:pPr marL="0" indent="0">
@@ -4986,25 +4958,26 @@
             </a:pPr>
             <a:r>
               <a:rPr lang="en-US" sz="2000" dirty="0"/>
-              <a:t>test:</a:t>
-            </a:r>
-          </a:p>
-          <a:p>
-            <a:pPr marL="0" indent="0">
-              <a:buNone/>
-            </a:pPr>
-            <a:endParaRPr lang="en-US" dirty="0"/>
-          </a:p>
-          <a:p>
-            <a:r>
-              <a:rPr lang="en-US" sz="2000" dirty="0"/>
-              <a:t>Build model using logistic regression </a:t>
-            </a:r>
-          </a:p>
-          <a:p>
-            <a:r>
-              <a:rPr lang="en-US" dirty="0"/>
-              <a:t>Model gets ‘violence’ and ‘above 3%’ to predict successful protests</a:t>
+              <a:t>questions:</a:t>
+            </a:r>
+          </a:p>
+          <a:p>
+            <a:pPr marL="0" indent="0">
+              <a:buNone/>
+            </a:pPr>
+            <a:endParaRPr lang="en-US" dirty="0"/>
+          </a:p>
+          <a:p>
+            <a:r>
+              <a:rPr lang="en-US" dirty="0"/>
+              <a:t>Is it possible to predict a successful protest based on 2 factors</a:t>
+            </a:r>
+            <a:endParaRPr lang="en-US" sz="2000" dirty="0"/>
+          </a:p>
+          <a:p>
+            <a:r>
+              <a:rPr lang="en-US" dirty="0"/>
+              <a:t>Building a model that gets ‘violence’ and ‘above 3%’ to predict successful protests</a:t>
             </a:r>
           </a:p>
           <a:p>
@@ -5045,8 +5018,18 @@
           <a:p>
             <a:r>
               <a:rPr lang="en-US" sz="2000" dirty="0"/>
-              <a:t>Check best accuracy </a:t>
-            </a:r>
+              <a:t>What is the prediction</a:t>
+            </a:r>
+          </a:p>
+          <a:p>
+            <a:r>
+              <a:rPr lang="en-US" dirty="0"/>
+              <a:t>What is the best accuracy</a:t>
+            </a:r>
+            <a:endParaRPr lang="en-US" sz="2000" dirty="0"/>
+          </a:p>
+          <a:p>
+            <a:endParaRPr lang="en-US" sz="2000" dirty="0"/>
           </a:p>
           <a:p>
             <a:endParaRPr lang="en-US" sz="2000" dirty="0"/>
@@ -5159,13 +5142,8 @@
             </a:pPr>
             <a:r>
               <a:rPr lang="en-US" sz="2000" dirty="0"/>
-              <a:t>result:</a:t>
-            </a:r>
-          </a:p>
-          <a:p>
-            <a:pPr marL="0" indent="0">
-              <a:buNone/>
-            </a:pPr>
+              <a:t>results:</a:t>
+            </a:r>
             <a:endParaRPr lang="en-US" dirty="0"/>
           </a:p>
           <a:p>
@@ -5175,13 +5153,10 @@
             </a:r>
           </a:p>
           <a:p>
+            <a:pPr marL="0" indent="0">
+              <a:buNone/>
+            </a:pPr>
             <a:endParaRPr lang="en-US" sz="2000" dirty="0"/>
-          </a:p>
-          <a:p>
-            <a:pPr marL="0" indent="0">
-              <a:buNone/>
-            </a:pPr>
-            <a:endParaRPr lang="en-US" dirty="0"/>
           </a:p>
           <a:p>
             <a:pPr marL="0" indent="0">
@@ -5354,7 +5329,7 @@
             </a:pPr>
             <a:r>
               <a:rPr lang="en-US" sz="2000" dirty="0"/>
-              <a:t>result:</a:t>
+              <a:t>results:</a:t>
             </a:r>
           </a:p>
           <a:p>
@@ -5572,6 +5547,12 @@
             <a:pPr marL="0" indent="0">
               <a:buNone/>
             </a:pPr>
+            <a:endParaRPr lang="en-US" dirty="0"/>
+          </a:p>
+          <a:p>
+            <a:pPr marL="0" indent="0">
+              <a:buNone/>
+            </a:pPr>
             <a:r>
               <a:rPr lang="en-US" dirty="0"/>
               <a:t>Although the exact result for the question what makes a successful protest will depend</a:t>
@@ -5582,48 +5563,60 @@
               <a:buNone/>
             </a:pPr>
             <a:r>
+              <a:rPr lang="en-US" dirty="0"/>
+              <a:t>o</a:t>
+            </a:r>
+            <a:r>
               <a:rPr lang="en-US" sz="2000" dirty="0"/>
-              <a:t>On many factors, this model was not </a:t>
+              <a:t>n many factors, this model was not </a:t>
             </a:r>
             <a:r>
               <a:rPr lang="en-US" dirty="0"/>
               <a:t>bad at predicting successful and failed protests.</a:t>
             </a:r>
-          </a:p>
-          <a:p>
-            <a:pPr marL="0" indent="0">
-              <a:buNone/>
-            </a:pPr>
             <a:endParaRPr lang="en-US" sz="2000" dirty="0"/>
           </a:p>
           <a:p>
             <a:pPr marL="0" indent="0">
               <a:buNone/>
             </a:pPr>
-            <a:r>
-              <a:rPr lang="en-US" dirty="0"/>
-              <a:t>Overall we saw that based on this project, non violent protests with participants number higher than 3% of total population are more likely to achieve final goals,</a:t>
-            </a:r>
-          </a:p>
-          <a:p>
-            <a:pPr marL="0" indent="0">
-              <a:buNone/>
-            </a:pPr>
-            <a:endParaRPr lang="en-US" dirty="0"/>
-          </a:p>
-          <a:p>
-            <a:pPr marL="0" indent="0">
-              <a:buNone/>
-            </a:pPr>
-            <a:r>
-              <a:rPr lang="en-US" dirty="0"/>
-              <a:t>While violent protest with participants number less than 3% of total population are more likely to fail.</a:t>
-            </a:r>
-          </a:p>
-          <a:p>
-            <a:pPr marL="0" indent="0">
-              <a:buNone/>
-            </a:pPr>
+            <a:endParaRPr lang="en-US" sz="2000" dirty="0"/>
+          </a:p>
+          <a:p>
+            <a:pPr marL="0" indent="0">
+              <a:buNone/>
+            </a:pPr>
+            <a:r>
+              <a:rPr lang="en-US" dirty="0"/>
+              <a:t>Overall we saw that based on this project:</a:t>
+            </a:r>
+          </a:p>
+          <a:p>
+            <a:pPr marL="0" indent="0">
+              <a:buNone/>
+            </a:pPr>
+            <a:r>
+              <a:rPr lang="en-US" dirty="0"/>
+              <a:t>- Non violent protests have more chances to achieve their final goals than violent  protests.</a:t>
+            </a:r>
+          </a:p>
+          <a:p>
+            <a:pPr marL="0" indent="0">
+              <a:buNone/>
+            </a:pPr>
+            <a:r>
+              <a:rPr lang="en-US" dirty="0"/>
+              <a:t>- Non violent protests are more likely to attract more participants.</a:t>
+            </a:r>
+          </a:p>
+          <a:p>
+            <a:pPr marL="0" indent="0">
+              <a:buNone/>
+            </a:pPr>
+            <a:r>
+              <a:rPr lang="en-US" dirty="0"/>
+              <a:t>- Protests with participants number higher than 3% of total population are less likely to fail.</a:t>
+            </a:r>
             <a:endParaRPr lang="en-US" sz="2000" dirty="0"/>
           </a:p>
           <a:p>
@@ -5716,18 +5709,34 @@
             <p:ph idx="1"/>
           </p:nvPr>
         </p:nvSpPr>
-        <p:spPr/>
-        <p:txBody>
-          <a:bodyPr/>
+        <p:spPr>
+          <a:xfrm>
+            <a:off x="1371599" y="2286000"/>
+            <a:ext cx="9839739" cy="3581400"/>
+          </a:xfrm>
+        </p:spPr>
+        <p:txBody>
+          <a:bodyPr>
+            <a:normAutofit lnSpcReduction="10000"/>
+          </a:bodyPr>
           <a:lstStyle/>
           <a:p>
             <a:r>
               <a:rPr lang="en-US" u="sng" dirty="0"/>
-              <a:t>Violence &amp; Success </a:t>
-            </a:r>
-            <a:r>
-              <a:rPr lang="en-US" dirty="0"/>
-              <a:t>– analyzing the relationship between violent / non-violent protests and their success  </a:t>
+              <a:t>Violent/Non-violent protests success </a:t>
+            </a:r>
+            <a:r>
+              <a:rPr lang="en-US" dirty="0"/>
+              <a:t>– analyzing the relationship between</a:t>
+            </a:r>
+          </a:p>
+          <a:p>
+            <a:pPr marL="0" indent="0">
+              <a:buNone/>
+            </a:pPr>
+            <a:r>
+              <a:rPr lang="en-US" dirty="0"/>
+              <a:t>violent / non-violent protests and their success  </a:t>
             </a:r>
           </a:p>
           <a:p>
@@ -5739,7 +5748,7 @@
           <a:p>
             <a:r>
               <a:rPr lang="en-US" u="sng" dirty="0"/>
-              <a:t>Size &amp; Success </a:t>
+              <a:t>Protests size and success </a:t>
             </a:r>
             <a:r>
               <a:rPr lang="en-US" dirty="0"/>
@@ -5763,18 +5772,12 @@
             </a:r>
           </a:p>
           <a:p>
-            <a:pPr marL="0" indent="0">
-              <a:buNone/>
-            </a:pPr>
-            <a:endParaRPr lang="en-US" dirty="0"/>
-          </a:p>
-          <a:p>
-            <a:pPr marL="0" indent="0">
-              <a:buNone/>
-            </a:pPr>
-            <a:r>
-              <a:rPr lang="en-US" dirty="0"/>
-              <a:t>Each step contains test, and result</a:t>
+            <a:endParaRPr lang="en-US" dirty="0"/>
+          </a:p>
+          <a:p>
+            <a:r>
+              <a:rPr lang="en-US" u="sng" dirty="0"/>
+              <a:t>Conclusions</a:t>
             </a:r>
           </a:p>
         </p:txBody>
@@ -6083,43 +6086,43 @@
             </a:pPr>
             <a:r>
               <a:rPr lang="en-US" dirty="0"/>
-              <a:t>test:</a:t>
-            </a:r>
-          </a:p>
-          <a:p>
-            <a:pPr marL="0" indent="0">
-              <a:buNone/>
-            </a:pPr>
-            <a:endParaRPr lang="en-US" dirty="0"/>
-          </a:p>
-          <a:p>
-            <a:r>
-              <a:rPr lang="en-US" dirty="0"/>
-              <a:t>Separated protests by violent / non violent</a:t>
-            </a:r>
-          </a:p>
-          <a:p>
-            <a:r>
-              <a:rPr lang="en-US" dirty="0"/>
-              <a:t>Average use of violence for both violent and non violent protests</a:t>
-            </a:r>
-          </a:p>
-          <a:p>
-            <a:r>
-              <a:rPr lang="en-US" dirty="0"/>
-              <a:t>Violent / non violent protests success rate throughout the years</a:t>
-            </a:r>
-          </a:p>
-          <a:p>
-            <a:r>
-              <a:rPr lang="en-US" dirty="0"/>
-              <a:t>Relationship between protest size and violence</a:t>
-            </a:r>
-          </a:p>
-          <a:p>
-            <a:r>
-              <a:rPr lang="en-US" dirty="0"/>
-              <a:t>Violence mean of successful and failed protests</a:t>
+              <a:t>questions:</a:t>
+            </a:r>
+          </a:p>
+          <a:p>
+            <a:pPr marL="0" indent="0">
+              <a:buNone/>
+            </a:pPr>
+            <a:endParaRPr lang="en-US" dirty="0"/>
+          </a:p>
+          <a:p>
+            <a:r>
+              <a:rPr lang="en-US" dirty="0"/>
+              <a:t>Is there a difference in violent / non violent protests success rate</a:t>
+            </a:r>
+          </a:p>
+          <a:p>
+            <a:r>
+              <a:rPr lang="en-US" dirty="0"/>
+              <a:t>What is the average use of violence for both violent and non violent protests</a:t>
+            </a:r>
+          </a:p>
+          <a:p>
+            <a:r>
+              <a:rPr lang="en-US" dirty="0"/>
+              <a:t>What is the violent / non violent protests success rate throughout the years</a:t>
+            </a:r>
+          </a:p>
+          <a:p>
+            <a:r>
+              <a:rPr lang="en-US" dirty="0"/>
+              <a:t>Is there a relationship between protest size and violence</a:t>
+            </a:r>
+          </a:p>
+          <a:p>
+            <a:r>
+              <a:rPr lang="en-US" dirty="0"/>
+              <a:t>What is the violence mean of successful and failed protests</a:t>
             </a:r>
           </a:p>
           <a:p>
@@ -6228,7 +6231,7 @@
             </a:pPr>
             <a:r>
               <a:rPr lang="en-US" dirty="0"/>
-              <a:t>result:</a:t>
+              <a:t>results:</a:t>
             </a:r>
           </a:p>
           <a:p>
@@ -6379,7 +6382,7 @@
             </a:pPr>
             <a:r>
               <a:rPr lang="en-US" dirty="0"/>
-              <a:t>result:</a:t>
+              <a:t>results:</a:t>
             </a:r>
           </a:p>
           <a:p>
@@ -6526,18 +6529,24 @@
             </a:pPr>
             <a:r>
               <a:rPr lang="en-US" dirty="0"/>
-              <a:t>result:</a:t>
-            </a:r>
-          </a:p>
-          <a:p>
-            <a:r>
-              <a:rPr lang="en-US" dirty="0"/>
+              <a:t>results:</a:t>
+            </a:r>
+          </a:p>
+          <a:p>
+            <a:pPr marL="0" indent="0">
+              <a:buNone/>
+            </a:pPr>
+            <a:endParaRPr lang="en-US" dirty="0"/>
+          </a:p>
+          <a:p>
+            <a:r>
+              <a:rPr lang="en-US" sz="1800" dirty="0"/>
               <a:t>Violent protests average participants: 188,000</a:t>
             </a:r>
           </a:p>
           <a:p>
             <a:r>
-              <a:rPr lang="en-US" dirty="0"/>
+              <a:rPr lang="en-US" sz="1800" dirty="0"/>
               <a:t>Non violent protests average participants: 575,000</a:t>
             </a:r>
           </a:p>
@@ -6545,14 +6554,14 @@
             <a:pPr marL="0" indent="0">
               <a:buNone/>
             </a:pPr>
-            <a:endParaRPr lang="en-US" dirty="0"/>
-          </a:p>
-          <a:p>
-            <a:pPr marL="0" indent="0">
-              <a:buNone/>
-            </a:pPr>
-            <a:r>
-              <a:rPr lang="en-US" dirty="0"/>
+            <a:endParaRPr lang="en-US" sz="1800" dirty="0"/>
+          </a:p>
+          <a:p>
+            <a:pPr marL="0" indent="0">
+              <a:buNone/>
+            </a:pPr>
+            <a:r>
+              <a:rPr lang="en-US" sz="1800" dirty="0"/>
               <a:t>The non violent protests attracted around 3 times as many participants as the average </a:t>
             </a:r>
           </a:p>
@@ -6561,53 +6570,35 @@
               <a:buNone/>
             </a:pPr>
             <a:r>
-              <a:rPr lang="en-US" dirty="0"/>
-              <a:t>Violent protest. </a:t>
-            </a:r>
-          </a:p>
-          <a:p>
-            <a:endParaRPr lang="en-US" dirty="0"/>
-          </a:p>
-          <a:p>
-            <a:r>
-              <a:rPr lang="en-US" dirty="0"/>
+              <a:rPr lang="en-US" sz="1800" dirty="0"/>
+              <a:t>violent protest. </a:t>
+            </a:r>
+          </a:p>
+          <a:p>
+            <a:pPr marL="0" indent="0">
+              <a:buNone/>
+            </a:pPr>
+            <a:endParaRPr lang="en-US" sz="1800" dirty="0"/>
+          </a:p>
+          <a:p>
+            <a:r>
+              <a:rPr lang="en-US" sz="1800" dirty="0"/>
               <a:t>From the top 25 largest protests </a:t>
             </a:r>
           </a:p>
           <a:p>
             <a:pPr lvl="1"/>
             <a:r>
-              <a:rPr lang="en-US" dirty="0"/>
+              <a:rPr lang="en-US" sz="1800" dirty="0"/>
               <a:t>22 were nonviolent</a:t>
             </a:r>
           </a:p>
           <a:p>
             <a:pPr lvl="1"/>
             <a:r>
-              <a:rPr lang="en-US" dirty="0"/>
-              <a:t> 3 were violent     </a:t>
-            </a:r>
-          </a:p>
-          <a:p>
-            <a:pPr lvl="1"/>
-            <a:endParaRPr lang="en-US" dirty="0"/>
-          </a:p>
-          <a:p>
-            <a:pPr marL="530352" lvl="1" indent="0">
-              <a:buNone/>
-            </a:pPr>
-            <a:endParaRPr lang="en-US" dirty="0"/>
-          </a:p>
-          <a:p>
-            <a:pPr lvl="1"/>
-            <a:endParaRPr lang="en-US" dirty="0"/>
-          </a:p>
-          <a:p>
-            <a:pPr lvl="1"/>
-            <a:endParaRPr lang="en-US" dirty="0"/>
-          </a:p>
-          <a:p>
-            <a:pPr lvl="1"/>
+              <a:rPr lang="en-US" sz="1800" dirty="0"/>
+              <a:t> 3 were violent </a:t>
+            </a:r>
             <a:endParaRPr lang="en-US" dirty="0"/>
           </a:p>
           <a:p>
@@ -6718,8 +6709,14 @@
             </a:pPr>
             <a:r>
               <a:rPr lang="en-US" dirty="0"/>
-              <a:t>result:</a:t>
-            </a:r>
+              <a:t>results:</a:t>
+            </a:r>
+          </a:p>
+          <a:p>
+            <a:pPr marL="0" indent="0">
+              <a:buNone/>
+            </a:pPr>
+            <a:endParaRPr lang="en-US" dirty="0"/>
           </a:p>
           <a:p>
             <a:r>
@@ -6753,7 +6750,7 @@
               <a:buNone/>
             </a:pPr>
             <a:r>
-              <a:rPr lang="en-US" dirty="0"/>
+              <a:rPr lang="en-US" u="sng" dirty="0"/>
               <a:t>Conclusion:</a:t>
             </a:r>
           </a:p>
@@ -6772,7 +6769,7 @@
             </a:pPr>
             <a:r>
               <a:rPr lang="en-US" dirty="0"/>
-              <a:t>- Large protests are more likely to be non violent.</a:t>
+              <a:t>- Larger protests are more likely to be non violent.</a:t>
             </a:r>
           </a:p>
           <a:p>
@@ -6922,7 +6919,7 @@
             </a:pPr>
             <a:r>
               <a:rPr lang="en-US" dirty="0"/>
-              <a:t>test:</a:t>
+              <a:t>questions:</a:t>
             </a:r>
           </a:p>
           <a:p>
@@ -6934,25 +6931,25 @@
           <a:p>
             <a:r>
               <a:rPr lang="en-US" sz="1800" dirty="0"/>
-              <a:t>New ‘% of total’ feature for each protest</a:t>
+              <a:t>What is the difference between large protests and small ones</a:t>
             </a:r>
           </a:p>
           <a:p>
             <a:r>
               <a:rPr lang="en-US" sz="1800" dirty="0"/>
-              <a:t>Separated protests by ‘% of total’ feature</a:t>
+              <a:t>Are certain amount of participants is enough for a protest to achieve final goal</a:t>
             </a:r>
           </a:p>
           <a:p>
             <a:r>
               <a:rPr lang="en-US" sz="1800" dirty="0"/>
-              <a:t>Relationship between ‘% of total’ and success</a:t>
+              <a:t>Is there a relationship between number of participants and success</a:t>
             </a:r>
           </a:p>
           <a:p>
             <a:r>
               <a:rPr lang="en-US" sz="1800" dirty="0"/>
-              <a:t>Compared protests with George Floyd and BLM protests to see differences</a:t>
+              <a:t>Is it possible to compare protests with the George Floyd and BLM protests</a:t>
             </a:r>
           </a:p>
           <a:p>

--- a/Presentation.pptx
+++ b/Presentation.pptx
@@ -5144,7 +5144,16 @@
               <a:rPr lang="en-US" sz="2000" dirty="0"/>
               <a:t>results:</a:t>
             </a:r>
-            <a:endParaRPr lang="en-US" dirty="0"/>
+            <a:endParaRPr lang="he-IL" sz="2000" dirty="0"/>
+          </a:p>
+          <a:p>
+            <a:pPr marL="0" indent="0">
+              <a:buNone/>
+            </a:pPr>
+            <a:r>
+              <a:rPr lang="en-US" dirty="0"/>
+              <a:t>Trying to predict successful protests using logistic regression</a:t>
+            </a:r>
           </a:p>
           <a:p>
             <a:r>
@@ -5357,12 +5366,15 @@
             <a:endParaRPr lang="en-US" dirty="0"/>
           </a:p>
           <a:p>
+            <a:pPr marL="0" indent="0">
+              <a:buNone/>
+            </a:pPr>
             <a:endParaRPr lang="en-US" sz="2000" dirty="0"/>
           </a:p>
           <a:p>
-            <a:endParaRPr lang="en-US" dirty="0"/>
-          </a:p>
-          <a:p>
+            <a:pPr marL="0" indent="0">
+              <a:buNone/>
+            </a:pPr>
             <a:endParaRPr lang="en-US" sz="2000" dirty="0"/>
           </a:p>
           <a:p>
@@ -5711,13 +5723,13 @@
         </p:nvSpPr>
         <p:spPr>
           <a:xfrm>
-            <a:off x="1371599" y="2286000"/>
-            <a:ext cx="9839739" cy="3581400"/>
+            <a:off x="1371599" y="1765189"/>
+            <a:ext cx="9839739" cy="5033175"/>
           </a:xfrm>
         </p:spPr>
         <p:txBody>
           <a:bodyPr>
-            <a:normAutofit lnSpcReduction="10000"/>
+            <a:normAutofit/>
           </a:bodyPr>
           <a:lstStyle/>
           <a:p>
@@ -5778,6 +5790,24 @@
             <a:r>
               <a:rPr lang="en-US" u="sng" dirty="0"/>
               <a:t>Conclusions</a:t>
+            </a:r>
+          </a:p>
+          <a:p>
+            <a:endParaRPr lang="en-US" u="sng" dirty="0"/>
+          </a:p>
+          <a:p>
+            <a:pPr marL="0" indent="0">
+              <a:buNone/>
+            </a:pPr>
+            <a:endParaRPr lang="en-US" sz="1800" dirty="0"/>
+          </a:p>
+          <a:p>
+            <a:pPr marL="0" indent="0">
+              <a:buNone/>
+            </a:pPr>
+            <a:r>
+              <a:rPr lang="en-US" sz="1800" dirty="0"/>
+              <a:t>* Check notebooks in github to see further information</a:t>
             </a:r>
           </a:p>
         </p:txBody>

--- a/Presentation.pptx
+++ b/Presentation.pptx
@@ -6960,25 +6960,25 @@
           </a:p>
           <a:p>
             <a:r>
-              <a:rPr lang="en-US" sz="1800" dirty="0"/>
+              <a:rPr lang="en-US" dirty="0"/>
               <a:t>What is the difference between large protests and small ones</a:t>
             </a:r>
           </a:p>
           <a:p>
             <a:r>
-              <a:rPr lang="en-US" sz="1800" dirty="0"/>
+              <a:rPr lang="en-US" dirty="0"/>
               <a:t>Are certain amount of participants is enough for a protest to achieve final goal</a:t>
             </a:r>
           </a:p>
           <a:p>
             <a:r>
-              <a:rPr lang="en-US" sz="1800" dirty="0"/>
+              <a:rPr lang="en-US" dirty="0"/>
               <a:t>Is there a relationship between number of participants and success</a:t>
             </a:r>
           </a:p>
           <a:p>
             <a:r>
-              <a:rPr lang="en-US" sz="1800" dirty="0"/>
+              <a:rPr lang="en-US" dirty="0"/>
               <a:t>Is it possible to compare protests with the George Floyd and BLM protests</a:t>
             </a:r>
           </a:p>
